--- a/Week_9/second_half_agenda.pptx
+++ b/Week_9/second_half_agenda.pptx
@@ -105,6 +105,11 @@
       </a:defRPr>
     </a:lvl9pPr>
   </p:defaultTextStyle>
+  <p:extLst>
+    <p:ext uri="{EFAFB233-063F-42B5-8137-9DF3F51BA10A}">
+      <p15:sldGuideLst xmlns:p15="http://schemas.microsoft.com/office/powerpoint/2012/main"/>
+    </p:ext>
+  </p:extLst>
 </p:presentation>
 </file>
 
@@ -153,7 +158,6 @@
               <a:rPr lang="en-US"/>
               <a:t>Click to edit Master title style</a:t>
             </a:r>
-            <a:endParaRPr lang="en-US"/>
           </a:p>
         </p:txBody>
       </p:sp>
@@ -218,7 +222,6 @@
               <a:rPr lang="en-US"/>
               <a:t>Click to edit Master subtitle style</a:t>
             </a:r>
-            <a:endParaRPr lang="en-US"/>
           </a:p>
         </p:txBody>
       </p:sp>
@@ -239,7 +242,7 @@
           <a:p>
             <a:fld id="{FF641BF4-7175-49EF-8E79-1FD3507E267F}" type="datetimeFigureOut">
               <a:rPr lang="en-US" smtClean="0"/>
-              <a:t>3/9/2017</a:t>
+              <a:t>3/20/2017</a:t>
             </a:fld>
             <a:endParaRPr lang="en-US"/>
           </a:p>
@@ -336,7 +339,6 @@
               <a:rPr lang="en-US"/>
               <a:t>Click to edit Master title style</a:t>
             </a:r>
-            <a:endParaRPr lang="en-US"/>
           </a:p>
         </p:txBody>
       </p:sp>
@@ -388,7 +390,6 @@
               <a:rPr lang="en-US"/>
               <a:t>Fifth level</a:t>
             </a:r>
-            <a:endParaRPr lang="en-US"/>
           </a:p>
         </p:txBody>
       </p:sp>
@@ -409,7 +410,7 @@
           <a:p>
             <a:fld id="{FF641BF4-7175-49EF-8E79-1FD3507E267F}" type="datetimeFigureOut">
               <a:rPr lang="en-US" smtClean="0"/>
-              <a:t>3/9/2017</a:t>
+              <a:t>3/20/2017</a:t>
             </a:fld>
             <a:endParaRPr lang="en-US"/>
           </a:p>
@@ -511,7 +512,6 @@
               <a:rPr lang="en-US"/>
               <a:t>Click to edit Master title style</a:t>
             </a:r>
-            <a:endParaRPr lang="en-US"/>
           </a:p>
         </p:txBody>
       </p:sp>
@@ -568,7 +568,6 @@
               <a:rPr lang="en-US"/>
               <a:t>Fifth level</a:t>
             </a:r>
-            <a:endParaRPr lang="en-US"/>
           </a:p>
         </p:txBody>
       </p:sp>
@@ -589,7 +588,7 @@
           <a:p>
             <a:fld id="{FF641BF4-7175-49EF-8E79-1FD3507E267F}" type="datetimeFigureOut">
               <a:rPr lang="en-US" smtClean="0"/>
-              <a:t>3/9/2017</a:t>
+              <a:t>3/20/2017</a:t>
             </a:fld>
             <a:endParaRPr lang="en-US"/>
           </a:p>
@@ -686,7 +685,6 @@
               <a:rPr lang="en-US"/>
               <a:t>Click to edit Master title style</a:t>
             </a:r>
-            <a:endParaRPr lang="en-US"/>
           </a:p>
         </p:txBody>
       </p:sp>
@@ -738,7 +736,6 @@
               <a:rPr lang="en-US"/>
               <a:t>Fifth level</a:t>
             </a:r>
-            <a:endParaRPr lang="en-US"/>
           </a:p>
         </p:txBody>
       </p:sp>
@@ -759,7 +756,7 @@
           <a:p>
             <a:fld id="{FF641BF4-7175-49EF-8E79-1FD3507E267F}" type="datetimeFigureOut">
               <a:rPr lang="en-US" smtClean="0"/>
-              <a:t>3/9/2017</a:t>
+              <a:t>3/20/2017</a:t>
             </a:fld>
             <a:endParaRPr lang="en-US"/>
           </a:p>
@@ -865,7 +862,6 @@
               <a:rPr lang="en-US"/>
               <a:t>Click to edit Master title style</a:t>
             </a:r>
-            <a:endParaRPr lang="en-US"/>
           </a:p>
         </p:txBody>
       </p:sp>
@@ -1005,7 +1001,7 @@
           <a:p>
             <a:fld id="{FF641BF4-7175-49EF-8E79-1FD3507E267F}" type="datetimeFigureOut">
               <a:rPr lang="en-US" smtClean="0"/>
-              <a:t>3/9/2017</a:t>
+              <a:t>3/20/2017</a:t>
             </a:fld>
             <a:endParaRPr lang="en-US"/>
           </a:p>
@@ -1102,7 +1098,6 @@
               <a:rPr lang="en-US"/>
               <a:t>Click to edit Master title style</a:t>
             </a:r>
-            <a:endParaRPr lang="en-US"/>
           </a:p>
         </p:txBody>
       </p:sp>
@@ -1159,7 +1154,6 @@
               <a:rPr lang="en-US"/>
               <a:t>Fifth level</a:t>
             </a:r>
-            <a:endParaRPr lang="en-US"/>
           </a:p>
         </p:txBody>
       </p:sp>
@@ -1216,7 +1210,6 @@
               <a:rPr lang="en-US"/>
               <a:t>Fifth level</a:t>
             </a:r>
-            <a:endParaRPr lang="en-US"/>
           </a:p>
         </p:txBody>
       </p:sp>
@@ -1237,7 +1230,7 @@
           <a:p>
             <a:fld id="{FF641BF4-7175-49EF-8E79-1FD3507E267F}" type="datetimeFigureOut">
               <a:rPr lang="en-US" smtClean="0"/>
-              <a:t>3/9/2017</a:t>
+              <a:t>3/20/2017</a:t>
             </a:fld>
             <a:endParaRPr lang="en-US"/>
           </a:p>
@@ -1339,7 +1332,6 @@
               <a:rPr lang="en-US"/>
               <a:t>Click to edit Master title style</a:t>
             </a:r>
-            <a:endParaRPr lang="en-US"/>
           </a:p>
         </p:txBody>
       </p:sp>
@@ -1461,7 +1453,6 @@
               <a:rPr lang="en-US"/>
               <a:t>Fifth level</a:t>
             </a:r>
-            <a:endParaRPr lang="en-US"/>
           </a:p>
         </p:txBody>
       </p:sp>
@@ -1583,7 +1574,6 @@
               <a:rPr lang="en-US"/>
               <a:t>Fifth level</a:t>
             </a:r>
-            <a:endParaRPr lang="en-US"/>
           </a:p>
         </p:txBody>
       </p:sp>
@@ -1604,7 +1594,7 @@
           <a:p>
             <a:fld id="{FF641BF4-7175-49EF-8E79-1FD3507E267F}" type="datetimeFigureOut">
               <a:rPr lang="en-US" smtClean="0"/>
-              <a:t>3/9/2017</a:t>
+              <a:t>3/20/2017</a:t>
             </a:fld>
             <a:endParaRPr lang="en-US"/>
           </a:p>
@@ -1701,7 +1691,6 @@
               <a:rPr lang="en-US"/>
               <a:t>Click to edit Master title style</a:t>
             </a:r>
-            <a:endParaRPr lang="en-US"/>
           </a:p>
         </p:txBody>
       </p:sp>
@@ -1722,7 +1711,7 @@
           <a:p>
             <a:fld id="{FF641BF4-7175-49EF-8E79-1FD3507E267F}" type="datetimeFigureOut">
               <a:rPr lang="en-US" smtClean="0"/>
-              <a:t>3/9/2017</a:t>
+              <a:t>3/20/2017</a:t>
             </a:fld>
             <a:endParaRPr lang="en-US"/>
           </a:p>
@@ -1817,7 +1806,7 @@
           <a:p>
             <a:fld id="{FF641BF4-7175-49EF-8E79-1FD3507E267F}" type="datetimeFigureOut">
               <a:rPr lang="en-US" smtClean="0"/>
-              <a:t>3/9/2017</a:t>
+              <a:t>3/20/2017</a:t>
             </a:fld>
             <a:endParaRPr lang="en-US"/>
           </a:p>
@@ -1923,7 +1912,6 @@
               <a:rPr lang="en-US"/>
               <a:t>Click to edit Master title style</a:t>
             </a:r>
-            <a:endParaRPr lang="en-US"/>
           </a:p>
         </p:txBody>
       </p:sp>
@@ -2008,7 +1996,6 @@
               <a:rPr lang="en-US"/>
               <a:t>Fifth level</a:t>
             </a:r>
-            <a:endParaRPr lang="en-US"/>
           </a:p>
         </p:txBody>
       </p:sp>
@@ -2094,7 +2081,7 @@
           <a:p>
             <a:fld id="{FF641BF4-7175-49EF-8E79-1FD3507E267F}" type="datetimeFigureOut">
               <a:rPr lang="en-US" smtClean="0"/>
-              <a:t>3/9/2017</a:t>
+              <a:t>3/20/2017</a:t>
             </a:fld>
             <a:endParaRPr lang="en-US"/>
           </a:p>
@@ -2200,7 +2187,6 @@
               <a:rPr lang="en-US"/>
               <a:t>Click to edit Master title style</a:t>
             </a:r>
-            <a:endParaRPr lang="en-US"/>
           </a:p>
         </p:txBody>
       </p:sp>
@@ -2347,7 +2333,7 @@
           <a:p>
             <a:fld id="{FF641BF4-7175-49EF-8E79-1FD3507E267F}" type="datetimeFigureOut">
               <a:rPr lang="en-US" smtClean="0"/>
-              <a:t>3/9/2017</a:t>
+              <a:t>3/20/2017</a:t>
             </a:fld>
             <a:endParaRPr lang="en-US"/>
           </a:p>
@@ -2459,7 +2445,6 @@
               <a:rPr lang="en-US"/>
               <a:t>Click to edit Master title style</a:t>
             </a:r>
-            <a:endParaRPr lang="en-US"/>
           </a:p>
         </p:txBody>
       </p:sp>
@@ -2521,7 +2506,6 @@
               <a:rPr lang="en-US"/>
               <a:t>Fifth level</a:t>
             </a:r>
-            <a:endParaRPr lang="en-US"/>
           </a:p>
         </p:txBody>
       </p:sp>
@@ -2560,7 +2544,7 @@
           <a:p>
             <a:fld id="{FF641BF4-7175-49EF-8E79-1FD3507E267F}" type="datetimeFigureOut">
               <a:rPr lang="en-US" smtClean="0"/>
-              <a:t>3/9/2017</a:t>
+              <a:t>3/20/2017</a:t>
             </a:fld>
             <a:endParaRPr lang="en-US"/>
           </a:p>
@@ -3072,7 +3056,19 @@
           <a:p>
             <a:r>
               <a:rPr lang="en-US" dirty="0"/>
-              <a:t>Week 9 (3/21) – Raster and Imagery Data</a:t>
+              <a:t>Week 9 (3/21) – </a:t>
+            </a:r>
+            <a:r>
+              <a:rPr lang="en-US" dirty="0" err="1"/>
+              <a:t>Github</a:t>
+            </a:r>
+            <a:r>
+              <a:rPr lang="en-US"/>
+              <a:t> &amp; Raster </a:t>
+            </a:r>
+            <a:r>
+              <a:rPr lang="en-US" dirty="0"/>
+              <a:t>and Imagery Data</a:t>
             </a:r>
           </a:p>
           <a:p>
@@ -3098,13 +3094,21 @@
           <a:p>
             <a:r>
               <a:rPr lang="en-US" dirty="0"/>
-              <a:t>Week 12 (4/11) – ??????</a:t>
+              <a:t>Week 12 (4/11) – Network and Spatial Analysis &amp; Demo of Pandas </a:t>
             </a:r>
           </a:p>
           <a:p>
             <a:r>
               <a:rPr lang="en-US" dirty="0"/>
-              <a:t>Week 13 (4/18) – Projects in class</a:t>
+              <a:t>Week 13 (4/18) – </a:t>
+            </a:r>
+            <a:r>
+              <a:rPr lang="en-US" dirty="0" err="1"/>
+              <a:t>Jupyter</a:t>
+            </a:r>
+            <a:r>
+              <a:rPr lang="en-US" dirty="0"/>
+              <a:t> and Projects in class</a:t>
             </a:r>
           </a:p>
           <a:p>

--- a/Week_9/second_half_agenda.pptx
+++ b/Week_9/second_half_agenda.pptx
@@ -5,8 +5,12 @@
     <p:sldMasterId id="2147483648" r:id="rId1"/>
   </p:sldMasterIdLst>
   <p:sldIdLst>
-    <p:sldId id="256" r:id="rId2"/>
-    <p:sldId id="257" r:id="rId3"/>
+    <p:sldId id="257" r:id="rId2"/>
+    <p:sldId id="258" r:id="rId3"/>
+    <p:sldId id="259" r:id="rId4"/>
+    <p:sldId id="260" r:id="rId5"/>
+    <p:sldId id="261" r:id="rId6"/>
+    <p:sldId id="262" r:id="rId7"/>
   </p:sldIdLst>
   <p:sldSz cx="12192000" cy="6858000"/>
   <p:notesSz cx="6858000" cy="9144000"/>
@@ -242,7 +246,7 @@
           <a:p>
             <a:fld id="{FF641BF4-7175-49EF-8E79-1FD3507E267F}" type="datetimeFigureOut">
               <a:rPr lang="en-US" smtClean="0"/>
-              <a:t>3/20/2017</a:t>
+              <a:t>3/21/2017</a:t>
             </a:fld>
             <a:endParaRPr lang="en-US"/>
           </a:p>
@@ -410,7 +414,7 @@
           <a:p>
             <a:fld id="{FF641BF4-7175-49EF-8E79-1FD3507E267F}" type="datetimeFigureOut">
               <a:rPr lang="en-US" smtClean="0"/>
-              <a:t>3/20/2017</a:t>
+              <a:t>3/21/2017</a:t>
             </a:fld>
             <a:endParaRPr lang="en-US"/>
           </a:p>
@@ -588,7 +592,7 @@
           <a:p>
             <a:fld id="{FF641BF4-7175-49EF-8E79-1FD3507E267F}" type="datetimeFigureOut">
               <a:rPr lang="en-US" smtClean="0"/>
-              <a:t>3/20/2017</a:t>
+              <a:t>3/21/2017</a:t>
             </a:fld>
             <a:endParaRPr lang="en-US"/>
           </a:p>
@@ -756,7 +760,7 @@
           <a:p>
             <a:fld id="{FF641BF4-7175-49EF-8E79-1FD3507E267F}" type="datetimeFigureOut">
               <a:rPr lang="en-US" smtClean="0"/>
-              <a:t>3/20/2017</a:t>
+              <a:t>3/21/2017</a:t>
             </a:fld>
             <a:endParaRPr lang="en-US"/>
           </a:p>
@@ -1001,7 +1005,7 @@
           <a:p>
             <a:fld id="{FF641BF4-7175-49EF-8E79-1FD3507E267F}" type="datetimeFigureOut">
               <a:rPr lang="en-US" smtClean="0"/>
-              <a:t>3/20/2017</a:t>
+              <a:t>3/21/2017</a:t>
             </a:fld>
             <a:endParaRPr lang="en-US"/>
           </a:p>
@@ -1230,7 +1234,7 @@
           <a:p>
             <a:fld id="{FF641BF4-7175-49EF-8E79-1FD3507E267F}" type="datetimeFigureOut">
               <a:rPr lang="en-US" smtClean="0"/>
-              <a:t>3/20/2017</a:t>
+              <a:t>3/21/2017</a:t>
             </a:fld>
             <a:endParaRPr lang="en-US"/>
           </a:p>
@@ -1594,7 +1598,7 @@
           <a:p>
             <a:fld id="{FF641BF4-7175-49EF-8E79-1FD3507E267F}" type="datetimeFigureOut">
               <a:rPr lang="en-US" smtClean="0"/>
-              <a:t>3/20/2017</a:t>
+              <a:t>3/21/2017</a:t>
             </a:fld>
             <a:endParaRPr lang="en-US"/>
           </a:p>
@@ -1711,7 +1715,7 @@
           <a:p>
             <a:fld id="{FF641BF4-7175-49EF-8E79-1FD3507E267F}" type="datetimeFigureOut">
               <a:rPr lang="en-US" smtClean="0"/>
-              <a:t>3/20/2017</a:t>
+              <a:t>3/21/2017</a:t>
             </a:fld>
             <a:endParaRPr lang="en-US"/>
           </a:p>
@@ -1806,7 +1810,7 @@
           <a:p>
             <a:fld id="{FF641BF4-7175-49EF-8E79-1FD3507E267F}" type="datetimeFigureOut">
               <a:rPr lang="en-US" smtClean="0"/>
-              <a:t>3/20/2017</a:t>
+              <a:t>3/21/2017</a:t>
             </a:fld>
             <a:endParaRPr lang="en-US"/>
           </a:p>
@@ -2081,7 +2085,7 @@
           <a:p>
             <a:fld id="{FF641BF4-7175-49EF-8E79-1FD3507E267F}" type="datetimeFigureOut">
               <a:rPr lang="en-US" smtClean="0"/>
-              <a:t>3/20/2017</a:t>
+              <a:t>3/21/2017</a:t>
             </a:fld>
             <a:endParaRPr lang="en-US"/>
           </a:p>
@@ -2333,7 +2337,7 @@
           <a:p>
             <a:fld id="{FF641BF4-7175-49EF-8E79-1FD3507E267F}" type="datetimeFigureOut">
               <a:rPr lang="en-US" smtClean="0"/>
-              <a:t>3/20/2017</a:t>
+              <a:t>3/21/2017</a:t>
             </a:fld>
             <a:endParaRPr lang="en-US"/>
           </a:p>
@@ -2544,7 +2548,7 @@
           <a:p>
             <a:fld id="{FF641BF4-7175-49EF-8E79-1FD3507E267F}" type="datetimeFigureOut">
               <a:rPr lang="en-US" smtClean="0"/>
-              <a:t>3/20/2017</a:t>
+              <a:t>3/21/2017</a:t>
             </a:fld>
             <a:endParaRPr lang="en-US"/>
           </a:p>
@@ -2956,41 +2960,121 @@
             <a:spLocks noGrp="1"/>
           </p:cNvSpPr>
           <p:nvPr>
-            <p:ph type="ctrTitle"/>
-          </p:nvPr>
-        </p:nvSpPr>
-        <p:spPr/>
-        <p:txBody>
-          <a:bodyPr/>
-          <a:lstStyle/>
-          <a:p>
-            <a:endParaRPr lang="en-US"/>
-          </a:p>
-        </p:txBody>
-      </p:sp>
-      <p:sp>
-        <p:nvSpPr>
-          <p:cNvPr id="3" name="Subtitle 2"/>
-          <p:cNvSpPr>
-            <a:spLocks noGrp="1"/>
-          </p:cNvSpPr>
-          <p:nvPr>
-            <p:ph type="subTitle" idx="1"/>
-          </p:nvPr>
-        </p:nvSpPr>
-        <p:spPr/>
-        <p:txBody>
-          <a:bodyPr/>
-          <a:lstStyle/>
-          <a:p>
-            <a:endParaRPr lang="en-US"/>
+            <p:ph type="title"/>
+          </p:nvPr>
+        </p:nvSpPr>
+        <p:spPr/>
+        <p:txBody>
+          <a:bodyPr/>
+          <a:lstStyle/>
+          <a:p>
+            <a:r>
+              <a:rPr lang="en-US" dirty="0"/>
+              <a:t>Second Half</a:t>
+            </a:r>
+          </a:p>
+        </p:txBody>
+      </p:sp>
+      <p:sp>
+        <p:nvSpPr>
+          <p:cNvPr id="3" name="Content Placeholder 2"/>
+          <p:cNvSpPr>
+            <a:spLocks noGrp="1"/>
+          </p:cNvSpPr>
+          <p:nvPr>
+            <p:ph idx="1"/>
+          </p:nvPr>
+        </p:nvSpPr>
+        <p:spPr/>
+        <p:txBody>
+          <a:bodyPr/>
+          <a:lstStyle/>
+          <a:p>
+            <a:r>
+              <a:rPr lang="en-US" dirty="0"/>
+              <a:t>Week 9 (3/21) – </a:t>
+            </a:r>
+            <a:r>
+              <a:rPr lang="en-US" dirty="0" err="1"/>
+              <a:t>Github</a:t>
+            </a:r>
+            <a:r>
+              <a:rPr lang="en-US" dirty="0"/>
+              <a:t> &amp; Raster and Imagery Data</a:t>
+            </a:r>
+          </a:p>
+          <a:p>
+            <a:r>
+              <a:rPr lang="en-US" dirty="0"/>
+              <a:t>Week 10 (3/28) – Imagery Data Management, Lidar, and Mosaics</a:t>
+            </a:r>
+          </a:p>
+          <a:p>
+            <a:r>
+              <a:rPr lang="en-US" dirty="0"/>
+              <a:t>Week 11 (4/4) – </a:t>
+            </a:r>
+            <a:r>
+              <a:rPr lang="en-US" dirty="0" err="1"/>
+              <a:t>Arcpy.mapping</a:t>
+            </a:r>
+            <a:r>
+              <a:rPr lang="en-US" dirty="0"/>
+              <a:t>, working with MXDs</a:t>
+            </a:r>
+          </a:p>
+          <a:p>
+            <a:r>
+              <a:rPr lang="en-US" dirty="0"/>
+              <a:t>Week 12 (4/11) – Network and Spatial Analysis &amp; Demo of Pandas </a:t>
+            </a:r>
+          </a:p>
+          <a:p>
+            <a:r>
+              <a:rPr lang="en-US" dirty="0"/>
+              <a:t>Week 13 (4/18) – </a:t>
+            </a:r>
+            <a:r>
+              <a:rPr lang="en-US" dirty="0" err="1"/>
+              <a:t>Jupyter</a:t>
+            </a:r>
+            <a:r>
+              <a:rPr lang="en-US" dirty="0"/>
+              <a:t> and Projects in class</a:t>
+            </a:r>
+          </a:p>
+          <a:p>
+            <a:r>
+              <a:rPr lang="en-US" dirty="0"/>
+              <a:t>Week 14 (4/25) – HTML/</a:t>
+            </a:r>
+            <a:r>
+              <a:rPr lang="en-US" dirty="0" err="1"/>
+              <a:t>Javascript</a:t>
+            </a:r>
+            <a:r>
+              <a:rPr lang="en-US" dirty="0"/>
+              <a:t> and web development</a:t>
+            </a:r>
+          </a:p>
+          <a:p>
+            <a:r>
+              <a:rPr lang="en-US" dirty="0"/>
+              <a:t>Week 15 (5/2) – Final Project Presentations</a:t>
+            </a:r>
+          </a:p>
+          <a:p>
+            <a:r>
+              <a:rPr lang="en-US" dirty="0"/>
+              <a:t>Final Period (5/9) – Final Project Presentations</a:t>
+            </a:r>
           </a:p>
         </p:txBody>
       </p:sp>
     </p:spTree>
     <p:extLst>
       <p:ext uri="{BB962C8B-B14F-4D97-AF65-F5344CB8AC3E}">
-        <p14:creationId xmlns:p14="http://schemas.microsoft.com/office/powerpoint/2010/main" val="1576386133"/>
+        <p14:creationId xmlns:p14="http://schemas.microsoft.com/office/powerpoint/2010/main" val="788500483"/>
       </p:ext>
     </p:extLst>
   </p:cSld>
@@ -3034,7 +3118,7 @@
           <a:p>
             <a:r>
               <a:rPr lang="en-US" dirty="0"/>
-              <a:t>Second Half</a:t>
+              <a:t>This Week</a:t>
             </a:r>
           </a:p>
         </p:txBody>
@@ -3056,93 +3140,372 @@
           <a:p>
             <a:r>
               <a:rPr lang="en-US" dirty="0"/>
-              <a:t>Week 9 (3/21) – </a:t>
+              <a:t>Install Source Tree</a:t>
+            </a:r>
+          </a:p>
+          <a:p>
+            <a:endParaRPr lang="en-US" dirty="0"/>
+          </a:p>
+          <a:p>
+            <a:r>
+              <a:rPr lang="en-US" dirty="0"/>
+              <a:t>Walk through GitHub &amp; </a:t>
             </a:r>
             <a:r>
               <a:rPr lang="en-US" dirty="0" err="1"/>
-              <a:t>Github</a:t>
-            </a:r>
-            <a:r>
-              <a:rPr lang="en-US"/>
-              <a:t> &amp; Raster </a:t>
+              <a:t>SourceTree</a:t>
             </a:r>
             <a:r>
               <a:rPr lang="en-US" dirty="0"/>
-              <a:t>and Imagery Data</a:t>
-            </a:r>
+              <a:t> &amp; Slack together</a:t>
+            </a:r>
+          </a:p>
+          <a:p>
+            <a:endParaRPr lang="en-US" dirty="0"/>
           </a:p>
           <a:p>
             <a:r>
               <a:rPr lang="en-US" dirty="0"/>
-              <a:t>Week 10 (3/28) – Imagery Data Management and Mosaics</a:t>
-            </a:r>
+              <a:t>Raster Lecture</a:t>
+            </a:r>
+          </a:p>
+          <a:p>
+            <a:endParaRPr lang="en-US" dirty="0"/>
           </a:p>
           <a:p>
             <a:r>
               <a:rPr lang="en-US" dirty="0"/>
-              <a:t>Week 11 (4/4) – </a:t>
-            </a:r>
-            <a:r>
-              <a:rPr lang="en-US" dirty="0" err="1"/>
-              <a:t>Arcpy.mapping</a:t>
-            </a:r>
-            <a:r>
-              <a:rPr lang="en-US" dirty="0"/>
-              <a:t>, working with MXDs</a:t>
-            </a:r>
-          </a:p>
-          <a:p>
-            <a:r>
-              <a:rPr lang="en-US" dirty="0"/>
-              <a:t>Week 12 (4/11) – Network and Spatial Analysis &amp; Demo of Pandas </a:t>
-            </a:r>
-          </a:p>
-          <a:p>
-            <a:r>
-              <a:rPr lang="en-US" dirty="0"/>
-              <a:t>Week 13 (4/18) – </a:t>
-            </a:r>
-            <a:r>
-              <a:rPr lang="en-US" dirty="0" err="1"/>
-              <a:t>Jupyter</a:t>
-            </a:r>
-            <a:r>
-              <a:rPr lang="en-US" dirty="0"/>
-              <a:t> and Projects in class</a:t>
-            </a:r>
-          </a:p>
-          <a:p>
-            <a:r>
-              <a:rPr lang="en-US" dirty="0"/>
-              <a:t>Week 14 (4/25) – HTML/</a:t>
-            </a:r>
-            <a:r>
-              <a:rPr lang="en-US" dirty="0" err="1"/>
-              <a:t>Javascript</a:t>
-            </a:r>
-            <a:r>
-              <a:rPr lang="en-US" dirty="0"/>
-              <a:t> and web development</a:t>
-            </a:r>
-          </a:p>
-          <a:p>
-            <a:r>
-              <a:rPr lang="en-US" dirty="0"/>
-              <a:t>Week 15 (5/2) – Final Project Presentations</a:t>
-            </a:r>
-          </a:p>
-          <a:p>
-            <a:r>
-              <a:rPr lang="en-US" dirty="0"/>
-              <a:t>Final Period (5/9) – Final Project Presentations</a:t>
-            </a:r>
+              <a:t>Raster Exercise</a:t>
+            </a:r>
+          </a:p>
+          <a:p>
+            <a:endParaRPr lang="en-US" dirty="0"/>
           </a:p>
         </p:txBody>
       </p:sp>
     </p:spTree>
     <p:extLst>
       <p:ext uri="{BB962C8B-B14F-4D97-AF65-F5344CB8AC3E}">
-        <p14:creationId xmlns:p14="http://schemas.microsoft.com/office/powerpoint/2010/main" val="788500483"/>
+        <p14:creationId xmlns:p14="http://schemas.microsoft.com/office/powerpoint/2010/main" val="674219137"/>
+      </p:ext>
+    </p:extLst>
+  </p:cSld>
+  <p:clrMapOvr>
+    <a:masterClrMapping/>
+  </p:clrMapOvr>
+</p:sld>
+</file>
+
+<file path=ppt/slides/slide3.xml><?xml version="1.0" encoding="utf-8"?>
+<p:sld xmlns:a="http://schemas.openxmlformats.org/drawingml/2006/main" xmlns:r="http://schemas.openxmlformats.org/officeDocument/2006/relationships" xmlns:p="http://schemas.openxmlformats.org/presentationml/2006/main">
+  <p:cSld>
+    <p:spTree>
+      <p:nvGrpSpPr>
+        <p:cNvPr id="1" name=""/>
+        <p:cNvGrpSpPr/>
+        <p:nvPr/>
+      </p:nvGrpSpPr>
+      <p:grpSpPr>
+        <a:xfrm>
+          <a:off x="0" y="0"/>
+          <a:ext cx="0" cy="0"/>
+          <a:chOff x="0" y="0"/>
+          <a:chExt cx="0" cy="0"/>
+        </a:xfrm>
+      </p:grpSpPr>
+      <p:sp>
+        <p:nvSpPr>
+          <p:cNvPr id="2" name="Title 1"/>
+          <p:cNvSpPr>
+            <a:spLocks noGrp="1"/>
+          </p:cNvSpPr>
+          <p:nvPr>
+            <p:ph type="title"/>
+          </p:nvPr>
+        </p:nvSpPr>
+        <p:spPr/>
+        <p:txBody>
+          <a:bodyPr/>
+          <a:lstStyle/>
+          <a:p>
+            <a:r>
+              <a:rPr lang="en-US" dirty="0"/>
+              <a:t>Next Week</a:t>
+            </a:r>
+          </a:p>
+        </p:txBody>
+      </p:sp>
+      <p:sp>
+        <p:nvSpPr>
+          <p:cNvPr id="3" name="Content Placeholder 2"/>
+          <p:cNvSpPr>
+            <a:spLocks noGrp="1"/>
+          </p:cNvSpPr>
+          <p:nvPr>
+            <p:ph idx="1"/>
+          </p:nvPr>
+        </p:nvSpPr>
+        <p:spPr/>
+        <p:txBody>
+          <a:bodyPr/>
+          <a:lstStyle/>
+          <a:p>
+            <a:r>
+              <a:rPr lang="en-US" dirty="0"/>
+              <a:t>Imagery, Mosaic Datasets, and LAS (Lidar) Datasets!</a:t>
+            </a:r>
+          </a:p>
+        </p:txBody>
+      </p:sp>
+    </p:spTree>
+    <p:extLst>
+      <p:ext uri="{BB962C8B-B14F-4D97-AF65-F5344CB8AC3E}">
+        <p14:creationId xmlns:p14="http://schemas.microsoft.com/office/powerpoint/2010/main" val="1845737178"/>
+      </p:ext>
+    </p:extLst>
+  </p:cSld>
+  <p:clrMapOvr>
+    <a:masterClrMapping/>
+  </p:clrMapOvr>
+</p:sld>
+</file>
+
+<file path=ppt/slides/slide4.xml><?xml version="1.0" encoding="utf-8"?>
+<p:sld xmlns:a="http://schemas.openxmlformats.org/drawingml/2006/main" xmlns:r="http://schemas.openxmlformats.org/officeDocument/2006/relationships" xmlns:p="http://schemas.openxmlformats.org/presentationml/2006/main">
+  <p:cSld>
+    <p:spTree>
+      <p:nvGrpSpPr>
+        <p:cNvPr id="1" name=""/>
+        <p:cNvGrpSpPr/>
+        <p:nvPr/>
+      </p:nvGrpSpPr>
+      <p:grpSpPr>
+        <a:xfrm>
+          <a:off x="0" y="0"/>
+          <a:ext cx="0" cy="0"/>
+          <a:chOff x="0" y="0"/>
+          <a:chExt cx="0" cy="0"/>
+        </a:xfrm>
+      </p:grpSpPr>
+      <p:sp>
+        <p:nvSpPr>
+          <p:cNvPr id="2" name="Title 1"/>
+          <p:cNvSpPr>
+            <a:spLocks noGrp="1"/>
+          </p:cNvSpPr>
+          <p:nvPr>
+            <p:ph type="title"/>
+          </p:nvPr>
+        </p:nvSpPr>
+        <p:spPr/>
+        <p:txBody>
+          <a:bodyPr/>
+          <a:lstStyle/>
+          <a:p>
+            <a:r>
+              <a:rPr lang="en-US" dirty="0"/>
+              <a:t>Project 2 is available!</a:t>
+            </a:r>
+          </a:p>
+        </p:txBody>
+      </p:sp>
+      <p:sp>
+        <p:nvSpPr>
+          <p:cNvPr id="3" name="Content Placeholder 2"/>
+          <p:cNvSpPr>
+            <a:spLocks noGrp="1"/>
+          </p:cNvSpPr>
+          <p:nvPr>
+            <p:ph idx="1"/>
+          </p:nvPr>
+        </p:nvSpPr>
+        <p:spPr/>
+        <p:txBody>
+          <a:bodyPr/>
+          <a:lstStyle/>
+          <a:p>
+            <a:r>
+              <a:rPr lang="en-US" dirty="0"/>
+              <a:t>Go to webpage</a:t>
+            </a:r>
+            <a:br>
+              <a:rPr lang="en-US" dirty="0"/>
+            </a:br>
+            <a:endParaRPr lang="en-US" dirty="0"/>
+          </a:p>
+        </p:txBody>
+      </p:sp>
+    </p:spTree>
+    <p:extLst>
+      <p:ext uri="{BB962C8B-B14F-4D97-AF65-F5344CB8AC3E}">
+        <p14:creationId xmlns:p14="http://schemas.microsoft.com/office/powerpoint/2010/main" val="331363140"/>
+      </p:ext>
+    </p:extLst>
+  </p:cSld>
+  <p:clrMapOvr>
+    <a:masterClrMapping/>
+  </p:clrMapOvr>
+</p:sld>
+</file>
+
+<file path=ppt/slides/slide5.xml><?xml version="1.0" encoding="utf-8"?>
+<p:sld xmlns:a="http://schemas.openxmlformats.org/drawingml/2006/main" xmlns:r="http://schemas.openxmlformats.org/officeDocument/2006/relationships" xmlns:p="http://schemas.openxmlformats.org/presentationml/2006/main">
+  <p:cSld>
+    <p:spTree>
+      <p:nvGrpSpPr>
+        <p:cNvPr id="1" name=""/>
+        <p:cNvGrpSpPr/>
+        <p:nvPr/>
+      </p:nvGrpSpPr>
+      <p:grpSpPr>
+        <a:xfrm>
+          <a:off x="0" y="0"/>
+          <a:ext cx="0" cy="0"/>
+          <a:chOff x="0" y="0"/>
+          <a:chExt cx="0" cy="0"/>
+        </a:xfrm>
+      </p:grpSpPr>
+      <p:sp>
+        <p:nvSpPr>
+          <p:cNvPr id="2" name="Title 1"/>
+          <p:cNvSpPr>
+            <a:spLocks noGrp="1"/>
+          </p:cNvSpPr>
+          <p:nvPr>
+            <p:ph type="title"/>
+          </p:nvPr>
+        </p:nvSpPr>
+        <p:spPr/>
+        <p:txBody>
+          <a:bodyPr/>
+          <a:lstStyle/>
+          <a:p>
+            <a:r>
+              <a:rPr lang="en-US" dirty="0"/>
+              <a:t>Final Project is Available</a:t>
+            </a:r>
+          </a:p>
+        </p:txBody>
+      </p:sp>
+      <p:sp>
+        <p:nvSpPr>
+          <p:cNvPr id="3" name="Content Placeholder 2"/>
+          <p:cNvSpPr>
+            <a:spLocks noGrp="1"/>
+          </p:cNvSpPr>
+          <p:nvPr>
+            <p:ph idx="1"/>
+          </p:nvPr>
+        </p:nvSpPr>
+        <p:spPr/>
+        <p:txBody>
+          <a:bodyPr/>
+          <a:lstStyle/>
+          <a:p>
+            <a:r>
+              <a:rPr lang="en-US" dirty="0">
+                <a:hlinkClick r:id="rId2"/>
+              </a:rPr>
+              <a:t>https://blackboard.slu.edu/webapps/blackboard/content/listContentEditable.jsp?content_id=_2433173_1&amp;course_id=_153733_1&amp;mode=reset</a:t>
+            </a:r>
+            <a:endParaRPr lang="en-US" dirty="0"/>
+          </a:p>
+          <a:p>
+            <a:endParaRPr lang="en-US" dirty="0"/>
+          </a:p>
+          <a:p>
+            <a:r>
+              <a:rPr lang="en-US" dirty="0"/>
+              <a:t>Would like to see you use GitHub for submission though!</a:t>
+            </a:r>
+            <a:endParaRPr lang="en-US" dirty="0"/>
+          </a:p>
+        </p:txBody>
+      </p:sp>
+    </p:spTree>
+    <p:extLst>
+      <p:ext uri="{BB962C8B-B14F-4D97-AF65-F5344CB8AC3E}">
+        <p14:creationId xmlns:p14="http://schemas.microsoft.com/office/powerpoint/2010/main" val="54393260"/>
+      </p:ext>
+    </p:extLst>
+  </p:cSld>
+  <p:clrMapOvr>
+    <a:masterClrMapping/>
+  </p:clrMapOvr>
+</p:sld>
+</file>
+
+<file path=ppt/slides/slide6.xml><?xml version="1.0" encoding="utf-8"?>
+<p:sld xmlns:a="http://schemas.openxmlformats.org/drawingml/2006/main" xmlns:r="http://schemas.openxmlformats.org/officeDocument/2006/relationships" xmlns:p="http://schemas.openxmlformats.org/presentationml/2006/main">
+  <p:cSld>
+    <p:spTree>
+      <p:nvGrpSpPr>
+        <p:cNvPr id="1" name=""/>
+        <p:cNvGrpSpPr/>
+        <p:nvPr/>
+      </p:nvGrpSpPr>
+      <p:grpSpPr>
+        <a:xfrm>
+          <a:off x="0" y="0"/>
+          <a:ext cx="0" cy="0"/>
+          <a:chOff x="0" y="0"/>
+          <a:chExt cx="0" cy="0"/>
+        </a:xfrm>
+      </p:grpSpPr>
+      <p:sp>
+        <p:nvSpPr>
+          <p:cNvPr id="2" name="Title 1"/>
+          <p:cNvSpPr>
+            <a:spLocks noGrp="1"/>
+          </p:cNvSpPr>
+          <p:nvPr>
+            <p:ph type="title"/>
+          </p:nvPr>
+        </p:nvSpPr>
+        <p:spPr/>
+        <p:txBody>
+          <a:bodyPr/>
+          <a:lstStyle/>
+          <a:p>
+            <a:r>
+              <a:rPr lang="en-US" dirty="0"/>
+              <a:t>Week 9,  “Exercise 9”</a:t>
+            </a:r>
+          </a:p>
+        </p:txBody>
+      </p:sp>
+      <p:sp>
+        <p:nvSpPr>
+          <p:cNvPr id="3" name="Content Placeholder 2"/>
+          <p:cNvSpPr>
+            <a:spLocks noGrp="1"/>
+          </p:cNvSpPr>
+          <p:nvPr>
+            <p:ph idx="1"/>
+          </p:nvPr>
+        </p:nvSpPr>
+        <p:spPr/>
+        <p:txBody>
+          <a:bodyPr/>
+          <a:lstStyle/>
+          <a:p>
+            <a:r>
+              <a:rPr lang="en-US" dirty="0">
+                <a:hlinkClick r:id="rId2"/>
+              </a:rPr>
+              <a:t>https://blackboard.slu.edu/webapps/assignment/uploadAssignment?content_id=_2483732_1&amp;course_id=_153733_1&amp;assign_group_id=&amp;mode=cpview</a:t>
+            </a:r>
+            <a:endParaRPr lang="en-US" dirty="0"/>
+          </a:p>
+          <a:p>
+            <a:endParaRPr lang="en-US" dirty="0"/>
+          </a:p>
+        </p:txBody>
+      </p:sp>
+    </p:spTree>
+    <p:extLst>
+      <p:ext uri="{BB962C8B-B14F-4D97-AF65-F5344CB8AC3E}">
+        <p14:creationId xmlns:p14="http://schemas.microsoft.com/office/powerpoint/2010/main" val="3680382874"/>
       </p:ext>
     </p:extLst>
   </p:cSld>
